--- a/images/thumbnail_maker.pptx
+++ b/images/thumbnail_maker.pptx
@@ -6,6 +6,7 @@
   </p:sldMasterIdLst>
   <p:sldIdLst>
     <p:sldId id="256" r:id="rId2"/>
+    <p:sldId id="257" r:id="rId3"/>
   </p:sldIdLst>
   <p:sldSz cx="10799763" cy="10799763"/>
   <p:notesSz cx="6858000" cy="9144000"/>
@@ -104,6 +105,11 @@
       </a:defRPr>
     </a:lvl9pPr>
   </p:defaultTextStyle>
+  <p:extLst>
+    <p:ext uri="{EFAFB233-063F-42B5-8137-9DF3F51BA10A}">
+      <p15:sldGuideLst xmlns:p15="http://schemas.microsoft.com/office/powerpoint/2012/main"/>
+    </p:ext>
+  </p:extLst>
 </p:presentation>
 </file>
 
@@ -238,7 +244,7 @@
           <a:p>
             <a:fld id="{4E24CA4A-58E3-7C4E-8054-DF71E700CA92}" type="datetimeFigureOut">
               <a:rPr lang="en-US" smtClean="0"/>
-              <a:t>9/28/23</a:t>
+              <a:t>9/29/23</a:t>
             </a:fld>
             <a:endParaRPr lang="en-US"/>
           </a:p>
@@ -408,7 +414,7 @@
           <a:p>
             <a:fld id="{4E24CA4A-58E3-7C4E-8054-DF71E700CA92}" type="datetimeFigureOut">
               <a:rPr lang="en-US" smtClean="0"/>
-              <a:t>9/28/23</a:t>
+              <a:t>9/29/23</a:t>
             </a:fld>
             <a:endParaRPr lang="en-US"/>
           </a:p>
@@ -588,7 +594,7 @@
           <a:p>
             <a:fld id="{4E24CA4A-58E3-7C4E-8054-DF71E700CA92}" type="datetimeFigureOut">
               <a:rPr lang="en-US" smtClean="0"/>
-              <a:t>9/28/23</a:t>
+              <a:t>9/29/23</a:t>
             </a:fld>
             <a:endParaRPr lang="en-US"/>
           </a:p>
@@ -758,7 +764,7 @@
           <a:p>
             <a:fld id="{4E24CA4A-58E3-7C4E-8054-DF71E700CA92}" type="datetimeFigureOut">
               <a:rPr lang="en-US" smtClean="0"/>
-              <a:t>9/28/23</a:t>
+              <a:t>9/29/23</a:t>
             </a:fld>
             <a:endParaRPr lang="en-US"/>
           </a:p>
@@ -1002,7 +1008,7 @@
           <a:p>
             <a:fld id="{4E24CA4A-58E3-7C4E-8054-DF71E700CA92}" type="datetimeFigureOut">
               <a:rPr lang="en-US" smtClean="0"/>
-              <a:t>9/28/23</a:t>
+              <a:t>9/29/23</a:t>
             </a:fld>
             <a:endParaRPr lang="en-US"/>
           </a:p>
@@ -1234,7 +1240,7 @@
           <a:p>
             <a:fld id="{4E24CA4A-58E3-7C4E-8054-DF71E700CA92}" type="datetimeFigureOut">
               <a:rPr lang="en-US" smtClean="0"/>
-              <a:t>9/28/23</a:t>
+              <a:t>9/29/23</a:t>
             </a:fld>
             <a:endParaRPr lang="en-US"/>
           </a:p>
@@ -1601,7 +1607,7 @@
           <a:p>
             <a:fld id="{4E24CA4A-58E3-7C4E-8054-DF71E700CA92}" type="datetimeFigureOut">
               <a:rPr lang="en-US" smtClean="0"/>
-              <a:t>9/28/23</a:t>
+              <a:t>9/29/23</a:t>
             </a:fld>
             <a:endParaRPr lang="en-US"/>
           </a:p>
@@ -1719,7 +1725,7 @@
           <a:p>
             <a:fld id="{4E24CA4A-58E3-7C4E-8054-DF71E700CA92}" type="datetimeFigureOut">
               <a:rPr lang="en-US" smtClean="0"/>
-              <a:t>9/28/23</a:t>
+              <a:t>9/29/23</a:t>
             </a:fld>
             <a:endParaRPr lang="en-US"/>
           </a:p>
@@ -1814,7 +1820,7 @@
           <a:p>
             <a:fld id="{4E24CA4A-58E3-7C4E-8054-DF71E700CA92}" type="datetimeFigureOut">
               <a:rPr lang="en-US" smtClean="0"/>
-              <a:t>9/28/23</a:t>
+              <a:t>9/29/23</a:t>
             </a:fld>
             <a:endParaRPr lang="en-US"/>
           </a:p>
@@ -2091,7 +2097,7 @@
           <a:p>
             <a:fld id="{4E24CA4A-58E3-7C4E-8054-DF71E700CA92}" type="datetimeFigureOut">
               <a:rPr lang="en-US" smtClean="0"/>
-              <a:t>9/28/23</a:t>
+              <a:t>9/29/23</a:t>
             </a:fld>
             <a:endParaRPr lang="en-US"/>
           </a:p>
@@ -2348,7 +2354,7 @@
           <a:p>
             <a:fld id="{4E24CA4A-58E3-7C4E-8054-DF71E700CA92}" type="datetimeFigureOut">
               <a:rPr lang="en-US" smtClean="0"/>
-              <a:t>9/28/23</a:t>
+              <a:t>9/29/23</a:t>
             </a:fld>
             <a:endParaRPr lang="en-US"/>
           </a:p>
@@ -2561,7 +2567,7 @@
           <a:p>
             <a:fld id="{4E24CA4A-58E3-7C4E-8054-DF71E700CA92}" type="datetimeFigureOut">
               <a:rPr lang="en-US" smtClean="0"/>
-              <a:t>9/28/23</a:t>
+              <a:t>9/29/23</a:t>
             </a:fld>
             <a:endParaRPr lang="en-US"/>
           </a:p>
@@ -3017,6 +3023,66 @@
 </p:sld>
 </file>
 
+<file path=ppt/slides/slide2.xml><?xml version="1.0" encoding="utf-8"?>
+<p:sld xmlns:a="http://schemas.openxmlformats.org/drawingml/2006/main" xmlns:r="http://schemas.openxmlformats.org/officeDocument/2006/relationships" xmlns:p="http://schemas.openxmlformats.org/presentationml/2006/main">
+  <p:cSld>
+    <p:spTree>
+      <p:nvGrpSpPr>
+        <p:cNvPr id="1" name=""/>
+        <p:cNvGrpSpPr/>
+        <p:nvPr/>
+      </p:nvGrpSpPr>
+      <p:grpSpPr>
+        <a:xfrm>
+          <a:off x="0" y="0"/>
+          <a:ext cx="0" cy="0"/>
+          <a:chOff x="0" y="0"/>
+          <a:chExt cx="0" cy="0"/>
+        </a:xfrm>
+      </p:grpSpPr>
+      <p:pic>
+        <p:nvPicPr>
+          <p:cNvPr id="5" name="Picture 4" descr="A black ink pen with a black cap&#10;&#10;Description automatically generated">
+            <a:extLst>
+              <a:ext uri="{FF2B5EF4-FFF2-40B4-BE49-F238E27FC236}">
+                <a16:creationId xmlns:a16="http://schemas.microsoft.com/office/drawing/2014/main" id="{361FEDF6-A1D1-48E4-4FC3-E12A291694E7}"/>
+              </a:ext>
+            </a:extLst>
+          </p:cNvPr>
+          <p:cNvPicPr>
+            <a:picLocks noChangeAspect="1"/>
+          </p:cNvPicPr>
+          <p:nvPr/>
+        </p:nvPicPr>
+        <p:blipFill>
+          <a:blip r:embed="rId2"/>
+          <a:stretch>
+            <a:fillRect/>
+          </a:stretch>
+        </p:blipFill>
+        <p:spPr>
+          <a:xfrm>
+            <a:off x="1513681" y="2035503"/>
+            <a:ext cx="7772400" cy="6728756"/>
+          </a:xfrm>
+          <a:prstGeom prst="rect">
+            <a:avLst/>
+          </a:prstGeom>
+        </p:spPr>
+      </p:pic>
+    </p:spTree>
+    <p:extLst>
+      <p:ext uri="{BB962C8B-B14F-4D97-AF65-F5344CB8AC3E}">
+        <p14:creationId xmlns:p14="http://schemas.microsoft.com/office/powerpoint/2010/main" val="938073979"/>
+      </p:ext>
+    </p:extLst>
+  </p:cSld>
+  <p:clrMapOvr>
+    <a:masterClrMapping/>
+  </p:clrMapOvr>
+</p:sld>
+</file>
+
 <file path=ppt/theme/theme1.xml><?xml version="1.0" encoding="utf-8"?>
 <a:theme xmlns:a="http://schemas.openxmlformats.org/drawingml/2006/main" name="Office Theme">
   <a:themeElements>

--- a/images/thumbnail_maker.pptx
+++ b/images/thumbnail_maker.pptx
@@ -7,6 +7,8 @@
   <p:sldIdLst>
     <p:sldId id="256" r:id="rId2"/>
     <p:sldId id="257" r:id="rId3"/>
+    <p:sldId id="258" r:id="rId4"/>
+    <p:sldId id="259" r:id="rId5"/>
   </p:sldIdLst>
   <p:sldSz cx="10799763" cy="10799763"/>
   <p:notesSz cx="6858000" cy="9144000"/>
@@ -244,7 +246,7 @@
           <a:p>
             <a:fld id="{4E24CA4A-58E3-7C4E-8054-DF71E700CA92}" type="datetimeFigureOut">
               <a:rPr lang="en-US" smtClean="0"/>
-              <a:t>9/29/23</a:t>
+              <a:t>9/30/23</a:t>
             </a:fld>
             <a:endParaRPr lang="en-US"/>
           </a:p>
@@ -414,7 +416,7 @@
           <a:p>
             <a:fld id="{4E24CA4A-58E3-7C4E-8054-DF71E700CA92}" type="datetimeFigureOut">
               <a:rPr lang="en-US" smtClean="0"/>
-              <a:t>9/29/23</a:t>
+              <a:t>9/30/23</a:t>
             </a:fld>
             <a:endParaRPr lang="en-US"/>
           </a:p>
@@ -594,7 +596,7 @@
           <a:p>
             <a:fld id="{4E24CA4A-58E3-7C4E-8054-DF71E700CA92}" type="datetimeFigureOut">
               <a:rPr lang="en-US" smtClean="0"/>
-              <a:t>9/29/23</a:t>
+              <a:t>9/30/23</a:t>
             </a:fld>
             <a:endParaRPr lang="en-US"/>
           </a:p>
@@ -764,7 +766,7 @@
           <a:p>
             <a:fld id="{4E24CA4A-58E3-7C4E-8054-DF71E700CA92}" type="datetimeFigureOut">
               <a:rPr lang="en-US" smtClean="0"/>
-              <a:t>9/29/23</a:t>
+              <a:t>9/30/23</a:t>
             </a:fld>
             <a:endParaRPr lang="en-US"/>
           </a:p>
@@ -1008,7 +1010,7 @@
           <a:p>
             <a:fld id="{4E24CA4A-58E3-7C4E-8054-DF71E700CA92}" type="datetimeFigureOut">
               <a:rPr lang="en-US" smtClean="0"/>
-              <a:t>9/29/23</a:t>
+              <a:t>9/30/23</a:t>
             </a:fld>
             <a:endParaRPr lang="en-US"/>
           </a:p>
@@ -1240,7 +1242,7 @@
           <a:p>
             <a:fld id="{4E24CA4A-58E3-7C4E-8054-DF71E700CA92}" type="datetimeFigureOut">
               <a:rPr lang="en-US" smtClean="0"/>
-              <a:t>9/29/23</a:t>
+              <a:t>9/30/23</a:t>
             </a:fld>
             <a:endParaRPr lang="en-US"/>
           </a:p>
@@ -1607,7 +1609,7 @@
           <a:p>
             <a:fld id="{4E24CA4A-58E3-7C4E-8054-DF71E700CA92}" type="datetimeFigureOut">
               <a:rPr lang="en-US" smtClean="0"/>
-              <a:t>9/29/23</a:t>
+              <a:t>9/30/23</a:t>
             </a:fld>
             <a:endParaRPr lang="en-US"/>
           </a:p>
@@ -1725,7 +1727,7 @@
           <a:p>
             <a:fld id="{4E24CA4A-58E3-7C4E-8054-DF71E700CA92}" type="datetimeFigureOut">
               <a:rPr lang="en-US" smtClean="0"/>
-              <a:t>9/29/23</a:t>
+              <a:t>9/30/23</a:t>
             </a:fld>
             <a:endParaRPr lang="en-US"/>
           </a:p>
@@ -1820,7 +1822,7 @@
           <a:p>
             <a:fld id="{4E24CA4A-58E3-7C4E-8054-DF71E700CA92}" type="datetimeFigureOut">
               <a:rPr lang="en-US" smtClean="0"/>
-              <a:t>9/29/23</a:t>
+              <a:t>9/30/23</a:t>
             </a:fld>
             <a:endParaRPr lang="en-US"/>
           </a:p>
@@ -2097,7 +2099,7 @@
           <a:p>
             <a:fld id="{4E24CA4A-58E3-7C4E-8054-DF71E700CA92}" type="datetimeFigureOut">
               <a:rPr lang="en-US" smtClean="0"/>
-              <a:t>9/29/23</a:t>
+              <a:t>9/30/23</a:t>
             </a:fld>
             <a:endParaRPr lang="en-US"/>
           </a:p>
@@ -2354,7 +2356,7 @@
           <a:p>
             <a:fld id="{4E24CA4A-58E3-7C4E-8054-DF71E700CA92}" type="datetimeFigureOut">
               <a:rPr lang="en-US" smtClean="0"/>
-              <a:t>9/29/23</a:t>
+              <a:t>9/30/23</a:t>
             </a:fld>
             <a:endParaRPr lang="en-US"/>
           </a:p>
@@ -2567,7 +2569,7 @@
           <a:p>
             <a:fld id="{4E24CA4A-58E3-7C4E-8054-DF71E700CA92}" type="datetimeFigureOut">
               <a:rPr lang="en-US" smtClean="0"/>
-              <a:t>9/29/23</a:t>
+              <a:t>9/30/23</a:t>
             </a:fld>
             <a:endParaRPr lang="en-US"/>
           </a:p>
@@ -3083,6 +3085,147 @@
 </p:sld>
 </file>
 
+<file path=ppt/slides/slide3.xml><?xml version="1.0" encoding="utf-8"?>
+<p:sld xmlns:a="http://schemas.openxmlformats.org/drawingml/2006/main" xmlns:r="http://schemas.openxmlformats.org/officeDocument/2006/relationships" xmlns:p="http://schemas.openxmlformats.org/presentationml/2006/main">
+  <p:cSld>
+    <p:bg>
+      <p:bgPr>
+        <a:solidFill>
+          <a:schemeClr val="bg1"/>
+        </a:solidFill>
+        <a:effectLst/>
+      </p:bgPr>
+    </p:bg>
+    <p:spTree>
+      <p:nvGrpSpPr>
+        <p:cNvPr id="1" name=""/>
+        <p:cNvGrpSpPr/>
+        <p:nvPr/>
+      </p:nvGrpSpPr>
+      <p:grpSpPr>
+        <a:xfrm>
+          <a:off x="0" y="0"/>
+          <a:ext cx="0" cy="0"/>
+          <a:chOff x="0" y="0"/>
+          <a:chExt cx="0" cy="0"/>
+        </a:xfrm>
+      </p:grpSpPr>
+      <p:pic>
+        <p:nvPicPr>
+          <p:cNvPr id="3" name="Graphic 2">
+            <a:extLst>
+              <a:ext uri="{FF2B5EF4-FFF2-40B4-BE49-F238E27FC236}">
+                <a16:creationId xmlns:a16="http://schemas.microsoft.com/office/drawing/2014/main" id="{5C7B2CF9-5289-9125-C452-77B8AC93F492}"/>
+              </a:ext>
+            </a:extLst>
+          </p:cNvPr>
+          <p:cNvPicPr>
+            <a:picLocks noChangeAspect="1"/>
+          </p:cNvPicPr>
+          <p:nvPr/>
+        </p:nvPicPr>
+        <p:blipFill rotWithShape="1">
+          <a:blip r:embed="rId2">
+            <a:extLst>
+              <a:ext uri="{96DAC541-7B7A-43D3-8B79-37D633B846F1}">
+                <asvg:svgBlip xmlns:asvg="http://schemas.microsoft.com/office/drawing/2016/SVG/main" r:embed="rId3"/>
+              </a:ext>
+            </a:extLst>
+          </a:blip>
+          <a:srcRect r="68892"/>
+          <a:stretch/>
+        </p:blipFill>
+        <p:spPr>
+          <a:xfrm>
+            <a:off x="2075963" y="1489941"/>
+            <a:ext cx="6647835" cy="7819879"/>
+          </a:xfrm>
+          <a:prstGeom prst="rect">
+            <a:avLst/>
+          </a:prstGeom>
+        </p:spPr>
+      </p:pic>
+    </p:spTree>
+    <p:extLst>
+      <p:ext uri="{BB962C8B-B14F-4D97-AF65-F5344CB8AC3E}">
+        <p14:creationId xmlns:p14="http://schemas.microsoft.com/office/powerpoint/2010/main" val="2710850601"/>
+      </p:ext>
+    </p:extLst>
+  </p:cSld>
+  <p:clrMapOvr>
+    <a:masterClrMapping/>
+  </p:clrMapOvr>
+</p:sld>
+</file>
+
+<file path=ppt/slides/slide4.xml><?xml version="1.0" encoding="utf-8"?>
+<p:sld xmlns:a="http://schemas.openxmlformats.org/drawingml/2006/main" xmlns:r="http://schemas.openxmlformats.org/officeDocument/2006/relationships" xmlns:p="http://schemas.openxmlformats.org/presentationml/2006/main">
+  <p:cSld>
+    <p:bg>
+      <p:bgPr>
+        <a:solidFill>
+          <a:schemeClr val="bg1"/>
+        </a:solidFill>
+        <a:effectLst/>
+      </p:bgPr>
+    </p:bg>
+    <p:spTree>
+      <p:nvGrpSpPr>
+        <p:cNvPr id="1" name=""/>
+        <p:cNvGrpSpPr/>
+        <p:nvPr/>
+      </p:nvGrpSpPr>
+      <p:grpSpPr>
+        <a:xfrm>
+          <a:off x="0" y="0"/>
+          <a:ext cx="0" cy="0"/>
+          <a:chOff x="0" y="0"/>
+          <a:chExt cx="0" cy="0"/>
+        </a:xfrm>
+      </p:grpSpPr>
+      <p:pic>
+        <p:nvPicPr>
+          <p:cNvPr id="4" name="Picture 3" descr="A black and white globe&#10;&#10;Description automatically generated">
+            <a:extLst>
+              <a:ext uri="{FF2B5EF4-FFF2-40B4-BE49-F238E27FC236}">
+                <a16:creationId xmlns:a16="http://schemas.microsoft.com/office/drawing/2014/main" id="{382359EC-B6DD-FA5A-5498-45B0C469DCB9}"/>
+              </a:ext>
+            </a:extLst>
+          </p:cNvPr>
+          <p:cNvPicPr>
+            <a:picLocks noChangeAspect="1"/>
+          </p:cNvPicPr>
+          <p:nvPr/>
+        </p:nvPicPr>
+        <p:blipFill>
+          <a:blip r:embed="rId2"/>
+          <a:stretch>
+            <a:fillRect/>
+          </a:stretch>
+        </p:blipFill>
+        <p:spPr>
+          <a:xfrm>
+            <a:off x="2749009" y="2749009"/>
+            <a:ext cx="5301744" cy="5301744"/>
+          </a:xfrm>
+          <a:prstGeom prst="rect">
+            <a:avLst/>
+          </a:prstGeom>
+        </p:spPr>
+      </p:pic>
+    </p:spTree>
+    <p:extLst>
+      <p:ext uri="{BB962C8B-B14F-4D97-AF65-F5344CB8AC3E}">
+        <p14:creationId xmlns:p14="http://schemas.microsoft.com/office/powerpoint/2010/main" val="2232460252"/>
+      </p:ext>
+    </p:extLst>
+  </p:cSld>
+  <p:clrMapOvr>
+    <a:masterClrMapping/>
+  </p:clrMapOvr>
+</p:sld>
+</file>
+
 <file path=ppt/theme/theme1.xml><?xml version="1.0" encoding="utf-8"?>
 <a:theme xmlns:a="http://schemas.openxmlformats.org/drawingml/2006/main" name="Office Theme">
   <a:themeElements>

--- a/images/thumbnail_maker.pptx
+++ b/images/thumbnail_maker.pptx
@@ -5,10 +5,11 @@
     <p:sldMasterId id="2147483660" r:id="rId1"/>
   </p:sldMasterIdLst>
   <p:sldIdLst>
-    <p:sldId id="256" r:id="rId2"/>
-    <p:sldId id="257" r:id="rId3"/>
-    <p:sldId id="258" r:id="rId4"/>
-    <p:sldId id="259" r:id="rId5"/>
+    <p:sldId id="260" r:id="rId2"/>
+    <p:sldId id="256" r:id="rId3"/>
+    <p:sldId id="257" r:id="rId4"/>
+    <p:sldId id="258" r:id="rId5"/>
+    <p:sldId id="259" r:id="rId6"/>
   </p:sldIdLst>
   <p:sldSz cx="10799763" cy="10799763"/>
   <p:notesSz cx="6858000" cy="9144000"/>
@@ -2960,6 +2961,214 @@
 <file path=ppt/slides/slide1.xml><?xml version="1.0" encoding="utf-8"?>
 <p:sld xmlns:a="http://schemas.openxmlformats.org/drawingml/2006/main" xmlns:r="http://schemas.openxmlformats.org/officeDocument/2006/relationships" xmlns:p="http://schemas.openxmlformats.org/presentationml/2006/main">
   <p:cSld>
+    <p:spTree>
+      <p:nvGrpSpPr>
+        <p:cNvPr id="1" name=""/>
+        <p:cNvGrpSpPr/>
+        <p:nvPr/>
+      </p:nvGrpSpPr>
+      <p:grpSpPr>
+        <a:xfrm>
+          <a:off x="0" y="0"/>
+          <a:ext cx="0" cy="0"/>
+          <a:chOff x="0" y="0"/>
+          <a:chExt cx="0" cy="0"/>
+        </a:xfrm>
+      </p:grpSpPr>
+      <p:grpSp>
+        <p:nvGrpSpPr>
+          <p:cNvPr id="8" name="Group 7">
+            <a:extLst>
+              <a:ext uri="{FF2B5EF4-FFF2-40B4-BE49-F238E27FC236}">
+                <a16:creationId xmlns:a16="http://schemas.microsoft.com/office/drawing/2014/main" id="{394265B6-789C-FB2B-E023-345957C2251F}"/>
+              </a:ext>
+            </a:extLst>
+          </p:cNvPr>
+          <p:cNvGrpSpPr/>
+          <p:nvPr/>
+        </p:nvGrpSpPr>
+        <p:grpSpPr>
+          <a:xfrm>
+            <a:off x="2576115" y="2576115"/>
+            <a:ext cx="5647531" cy="5647531"/>
+            <a:chOff x="2576115" y="2286000"/>
+            <a:chExt cx="5647531" cy="5647531"/>
+          </a:xfrm>
+        </p:grpSpPr>
+        <p:pic>
+          <p:nvPicPr>
+            <p:cNvPr id="6" name="Picture 5" descr="A black laurel wreath with text&#10;&#10;Description automatically generated">
+              <a:extLst>
+                <a:ext uri="{FF2B5EF4-FFF2-40B4-BE49-F238E27FC236}">
+                  <a16:creationId xmlns:a16="http://schemas.microsoft.com/office/drawing/2014/main" id="{12066736-E3CB-8B1B-9899-DA6ABEB72EE2}"/>
+                </a:ext>
+              </a:extLst>
+            </p:cNvPr>
+            <p:cNvPicPr>
+              <a:picLocks noChangeAspect="1"/>
+            </p:cNvPicPr>
+            <p:nvPr/>
+          </p:nvPicPr>
+          <p:blipFill>
+            <a:blip r:embed="rId2"/>
+            <a:stretch>
+              <a:fillRect/>
+            </a:stretch>
+          </p:blipFill>
+          <p:spPr>
+            <a:xfrm>
+              <a:off x="2576115" y="2286000"/>
+              <a:ext cx="5647531" cy="5647531"/>
+            </a:xfrm>
+            <a:prstGeom prst="rect">
+              <a:avLst/>
+            </a:prstGeom>
+          </p:spPr>
+        </p:pic>
+        <p:sp>
+          <p:nvSpPr>
+            <p:cNvPr id="7" name="Rectangle 6">
+              <a:extLst>
+                <a:ext uri="{FF2B5EF4-FFF2-40B4-BE49-F238E27FC236}">
+                  <a16:creationId xmlns:a16="http://schemas.microsoft.com/office/drawing/2014/main" id="{11A474B1-FDF4-761D-D82F-F0A142E58043}"/>
+                </a:ext>
+              </a:extLst>
+            </p:cNvPr>
+            <p:cNvSpPr/>
+            <p:nvPr/>
+          </p:nvSpPr>
+          <p:spPr>
+            <a:xfrm>
+              <a:off x="4163615" y="4622800"/>
+              <a:ext cx="2540000" cy="863600"/>
+            </a:xfrm>
+            <a:prstGeom prst="rect">
+              <a:avLst/>
+            </a:prstGeom>
+            <a:ln>
+              <a:noFill/>
+            </a:ln>
+          </p:spPr>
+          <p:style>
+            <a:lnRef idx="2">
+              <a:schemeClr val="accent6"/>
+            </a:lnRef>
+            <a:fillRef idx="1">
+              <a:schemeClr val="lt1"/>
+            </a:fillRef>
+            <a:effectRef idx="0">
+              <a:schemeClr val="accent6"/>
+            </a:effectRef>
+            <a:fontRef idx="minor">
+              <a:schemeClr val="dk1"/>
+            </a:fontRef>
+          </p:style>
+          <p:txBody>
+            <a:bodyPr rtlCol="0" anchor="ctr"/>
+            <a:lstStyle/>
+            <a:p>
+              <a:pPr algn="ctr"/>
+              <a:endParaRPr lang="en-US"/>
+            </a:p>
+          </p:txBody>
+        </p:sp>
+        <p:sp>
+          <p:nvSpPr>
+            <p:cNvPr id="4" name="TextBox 3">
+              <a:extLst>
+                <a:ext uri="{FF2B5EF4-FFF2-40B4-BE49-F238E27FC236}">
+                  <a16:creationId xmlns:a16="http://schemas.microsoft.com/office/drawing/2014/main" id="{E7ECC209-2802-6A17-B5CC-892C740D86CE}"/>
+                </a:ext>
+              </a:extLst>
+            </p:cNvPr>
+            <p:cNvSpPr txBox="1"/>
+            <p:nvPr/>
+          </p:nvSpPr>
+          <p:spPr>
+            <a:xfrm>
+              <a:off x="4024085" y="4817377"/>
+              <a:ext cx="2819060" cy="584775"/>
+            </a:xfrm>
+            <a:prstGeom prst="rect">
+              <a:avLst/>
+            </a:prstGeom>
+            <a:noFill/>
+          </p:spPr>
+          <p:txBody>
+            <a:bodyPr wrap="square" rtlCol="0">
+              <a:spAutoFit/>
+            </a:bodyPr>
+            <a:lstStyle/>
+            <a:p>
+              <a:pPr algn="ctr"/>
+              <a:r>
+                <a:rPr lang="en-US" sz="3200" b="1" dirty="0">
+                  <a:latin typeface="Arial" panose="020B0604020202020204" pitchFamily="34" charset="0"/>
+                  <a:ea typeface="HEITI TC MEDIUM" pitchFamily="2" charset="-128"/>
+                  <a:cs typeface="Arial" panose="020B0604020202020204" pitchFamily="34" charset="0"/>
+                </a:rPr>
+                <a:t>Best of 2023</a:t>
+              </a:r>
+            </a:p>
+          </p:txBody>
+        </p:sp>
+      </p:grpSp>
+      <p:sp>
+        <p:nvSpPr>
+          <p:cNvPr id="10" name="TextBox 9">
+            <a:extLst>
+              <a:ext uri="{FF2B5EF4-FFF2-40B4-BE49-F238E27FC236}">
+                <a16:creationId xmlns:a16="http://schemas.microsoft.com/office/drawing/2014/main" id="{F1B5EEDC-22BD-D67F-B390-E98AB1B9A206}"/>
+              </a:ext>
+            </a:extLst>
+          </p:cNvPr>
+          <p:cNvSpPr txBox="1"/>
+          <p:nvPr/>
+        </p:nvSpPr>
+        <p:spPr>
+          <a:xfrm>
+            <a:off x="2731690" y="7680995"/>
+            <a:ext cx="5403850" cy="584775"/>
+          </a:xfrm>
+          <a:prstGeom prst="rect">
+            <a:avLst/>
+          </a:prstGeom>
+          <a:noFill/>
+        </p:spPr>
+        <p:txBody>
+          <a:bodyPr wrap="square">
+            <a:spAutoFit/>
+          </a:bodyPr>
+          <a:lstStyle/>
+          <a:p>
+            <a:pPr algn="ctr"/>
+            <a:r>
+              <a:rPr lang="en-US" sz="3200" b="1" dirty="0">
+                <a:latin typeface="Arial" panose="020B0604020202020204" pitchFamily="34" charset="0"/>
+                <a:ea typeface="Heiti TC Medium" pitchFamily="2" charset="-128"/>
+                <a:cs typeface="Arial" panose="020B0604020202020204" pitchFamily="34" charset="0"/>
+              </a:rPr>
+              <a:t>E Reader Channel</a:t>
+            </a:r>
+          </a:p>
+        </p:txBody>
+      </p:sp>
+    </p:spTree>
+    <p:extLst>
+      <p:ext uri="{BB962C8B-B14F-4D97-AF65-F5344CB8AC3E}">
+        <p14:creationId xmlns:p14="http://schemas.microsoft.com/office/powerpoint/2010/main" val="3922641032"/>
+      </p:ext>
+    </p:extLst>
+  </p:cSld>
+  <p:clrMapOvr>
+    <a:masterClrMapping/>
+  </p:clrMapOvr>
+</p:sld>
+</file>
+
+<file path=ppt/slides/slide2.xml><?xml version="1.0" encoding="utf-8"?>
+<p:sld xmlns:a="http://schemas.openxmlformats.org/drawingml/2006/main" xmlns:r="http://schemas.openxmlformats.org/officeDocument/2006/relationships" xmlns:p="http://schemas.openxmlformats.org/presentationml/2006/main">
+  <p:cSld>
     <p:bg>
       <p:bgPr>
         <a:solidFill>
@@ -3025,7 +3234,7 @@
 </p:sld>
 </file>
 
-<file path=ppt/slides/slide2.xml><?xml version="1.0" encoding="utf-8"?>
+<file path=ppt/slides/slide3.xml><?xml version="1.0" encoding="utf-8"?>
 <p:sld xmlns:a="http://schemas.openxmlformats.org/drawingml/2006/main" xmlns:r="http://schemas.openxmlformats.org/officeDocument/2006/relationships" xmlns:p="http://schemas.openxmlformats.org/presentationml/2006/main">
   <p:cSld>
     <p:spTree>
@@ -3085,7 +3294,7 @@
 </p:sld>
 </file>
 
-<file path=ppt/slides/slide3.xml><?xml version="1.0" encoding="utf-8"?>
+<file path=ppt/slides/slide4.xml><?xml version="1.0" encoding="utf-8"?>
 <p:sld xmlns:a="http://schemas.openxmlformats.org/drawingml/2006/main" xmlns:r="http://schemas.openxmlformats.org/officeDocument/2006/relationships" xmlns:p="http://schemas.openxmlformats.org/presentationml/2006/main">
   <p:cSld>
     <p:bg>
@@ -3158,7 +3367,7 @@
 </p:sld>
 </file>
 
-<file path=ppt/slides/slide4.xml><?xml version="1.0" encoding="utf-8"?>
+<file path=ppt/slides/slide5.xml><?xml version="1.0" encoding="utf-8"?>
 <p:sld xmlns:a="http://schemas.openxmlformats.org/drawingml/2006/main" xmlns:r="http://schemas.openxmlformats.org/officeDocument/2006/relationships" xmlns:p="http://schemas.openxmlformats.org/presentationml/2006/main">
   <p:cSld>
     <p:bg>
